--- a/B11_BreakOut_발표자료.pptx
+++ b/B11_BreakOut_발표자료.pptx
@@ -112,6 +112,11 @@
       </a:defRPr>
     </a:lvl9pPr>
   </p:defaultTextStyle>
+  <p:extLst>
+    <p:ext uri="{EFAFB233-063F-42B5-8137-9DF3F51BA10A}">
+      <p15:sldGuideLst xmlns:p15="http://schemas.microsoft.com/office/powerpoint/2012/main"/>
+    </p:ext>
+  </p:extLst>
 </p:presentation>
 </file>
 
@@ -3906,6 +3911,14 @@
               <a:rPr lang="ko-KR" altLang="en-US" dirty="0"/>
               <a:t>패들 구현</a:t>
             </a:r>
+            <a:r>
+              <a:rPr lang="en-US" altLang="ko-KR" dirty="0"/>
+              <a:t>, </a:t>
+            </a:r>
+            <a:r>
+              <a:rPr lang="ko-KR" altLang="en-US" dirty="0"/>
+              <a:t>발표자료 작성</a:t>
+            </a:r>
             <a:endParaRPr lang="en-US" altLang="ko-KR" dirty="0"/>
           </a:p>
           <a:p>
@@ -3934,24 +3947,8 @@
               <a:t>, </a:t>
             </a:r>
             <a:r>
-              <a:rPr lang="ko-KR" altLang="en-US" dirty="0"/>
-              <a:t>게임 로직</a:t>
-            </a:r>
-            <a:r>
-              <a:rPr lang="en-US" altLang="ko-KR" dirty="0"/>
-              <a:t>(</a:t>
-            </a:r>
-            <a:r>
-              <a:rPr lang="en-US" altLang="ko-KR" dirty="0" err="1"/>
-              <a:t>GameManager</a:t>
-            </a:r>
-            <a:r>
-              <a:rPr lang="en-US" altLang="ko-KR" dirty="0"/>
-              <a:t>)</a:t>
-            </a:r>
-            <a:r>
-              <a:rPr lang="ko-KR" altLang="en-US" dirty="0"/>
-              <a:t> 구현</a:t>
+              <a:rPr lang="ko-KR" altLang="en-US"/>
+              <a:t>게임 로직 구현</a:t>
             </a:r>
             <a:endParaRPr lang="en-US" altLang="ko-KR" dirty="0"/>
           </a:p>
